--- a/output/Fig. 1 Monthly flight prediction.pptx
+++ b/output/Fig. 1 Monthly flight prediction.pptx
@@ -104,6 +104,11 @@
       </a:defRPr>
     </a:lvl9pPr>
   </p:defaultTextStyle>
+  <p:extLst>
+    <p:ext uri="{EFAFB233-063F-42B5-8137-9DF3F51BA10A}">
+      <p15:sldGuideLst xmlns:p15="http://schemas.microsoft.com/office/powerpoint/2012/main"/>
+    </p:ext>
+  </p:extLst>
 </p:presentation>
 </file>
 
@@ -3323,10 +3328,10 @@
       </p:grpSpPr>
       <p:pic>
         <p:nvPicPr>
-          <p:cNvPr id="5" name="圖片 4">
-            <a:extLst>
-              <a:ext uri="{FF2B5EF4-FFF2-40B4-BE49-F238E27FC236}">
-                <a16:creationId xmlns:a16="http://schemas.microsoft.com/office/drawing/2014/main" id="{8491E490-CDFA-4DF2-B661-D2166E0FF174}"/>
+          <p:cNvPr id="3" name="圖片 2">
+            <a:extLst>
+              <a:ext uri="{FF2B5EF4-FFF2-40B4-BE49-F238E27FC236}">
+                <a16:creationId xmlns:a16="http://schemas.microsoft.com/office/drawing/2014/main" id="{63A537FB-8624-405A-8633-65993325132E}"/>
               </a:ext>
             </a:extLst>
           </p:cNvPr>
@@ -3349,7 +3354,7 @@
         </p:blipFill>
         <p:spPr>
           <a:xfrm>
-            <a:off x="2116797" y="685794"/>
+            <a:off x="5847339" y="685792"/>
             <a:ext cx="3657607" cy="2743206"/>
           </a:xfrm>
           <a:prstGeom prst="rect">
@@ -3359,10 +3364,10 @@
       </p:pic>
       <p:pic>
         <p:nvPicPr>
-          <p:cNvPr id="7" name="圖片 6">
-            <a:extLst>
-              <a:ext uri="{FF2B5EF4-FFF2-40B4-BE49-F238E27FC236}">
-                <a16:creationId xmlns:a16="http://schemas.microsoft.com/office/drawing/2014/main" id="{EA8126D6-CD64-44DA-B203-8CA582BDDB54}"/>
+          <p:cNvPr id="6" name="圖片 5">
+            <a:extLst>
+              <a:ext uri="{FF2B5EF4-FFF2-40B4-BE49-F238E27FC236}">
+                <a16:creationId xmlns:a16="http://schemas.microsoft.com/office/drawing/2014/main" id="{803C7867-6F4C-4781-BE0C-89ACAE484505}"/>
               </a:ext>
             </a:extLst>
           </p:cNvPr>
@@ -3385,7 +3390,7 @@
         </p:blipFill>
         <p:spPr>
           <a:xfrm>
-            <a:off x="5774404" y="685794"/>
+            <a:off x="2148396" y="685794"/>
             <a:ext cx="3657607" cy="2743206"/>
           </a:xfrm>
           <a:prstGeom prst="rect">
@@ -3395,10 +3400,10 @@
       </p:pic>
       <p:pic>
         <p:nvPicPr>
-          <p:cNvPr id="9" name="圖片 8">
-            <a:extLst>
-              <a:ext uri="{FF2B5EF4-FFF2-40B4-BE49-F238E27FC236}">
-                <a16:creationId xmlns:a16="http://schemas.microsoft.com/office/drawing/2014/main" id="{C05DE4FC-E543-4E2E-8DC1-9D0C6A380999}"/>
+          <p:cNvPr id="10" name="圖片 9">
+            <a:extLst>
+              <a:ext uri="{FF2B5EF4-FFF2-40B4-BE49-F238E27FC236}">
+                <a16:creationId xmlns:a16="http://schemas.microsoft.com/office/drawing/2014/main" id="{C3EA2224-2AF3-46EE-8155-16506F336C58}"/>
               </a:ext>
             </a:extLst>
           </p:cNvPr>
@@ -3421,7 +3426,7 @@
         </p:blipFill>
         <p:spPr>
           <a:xfrm>
-            <a:off x="2116796" y="3429000"/>
+            <a:off x="5847338" y="3428998"/>
             <a:ext cx="3657607" cy="2743206"/>
           </a:xfrm>
           <a:prstGeom prst="rect">
@@ -3431,10 +3436,10 @@
       </p:pic>
       <p:pic>
         <p:nvPicPr>
-          <p:cNvPr id="11" name="圖片 10">
-            <a:extLst>
-              <a:ext uri="{FF2B5EF4-FFF2-40B4-BE49-F238E27FC236}">
-                <a16:creationId xmlns:a16="http://schemas.microsoft.com/office/drawing/2014/main" id="{BCC93654-62BE-4705-B285-B6457BEF8693}"/>
+          <p:cNvPr id="21" name="圖片 20">
+            <a:extLst>
+              <a:ext uri="{FF2B5EF4-FFF2-40B4-BE49-F238E27FC236}">
+                <a16:creationId xmlns:a16="http://schemas.microsoft.com/office/drawing/2014/main" id="{00572356-331B-4636-B4E7-C06DB8023A02}"/>
               </a:ext>
             </a:extLst>
           </p:cNvPr>
@@ -3457,7 +3462,7 @@
         </p:blipFill>
         <p:spPr>
           <a:xfrm>
-            <a:off x="5774403" y="3429000"/>
+            <a:off x="2148396" y="3428999"/>
             <a:ext cx="3657607" cy="2743206"/>
           </a:xfrm>
           <a:prstGeom prst="rect">
@@ -3479,7 +3484,7 @@
         </p:nvSpPr>
         <p:spPr>
           <a:xfrm>
-            <a:off x="2772076" y="378018"/>
+            <a:off x="2675826" y="378018"/>
             <a:ext cx="2845951" cy="307777"/>
           </a:xfrm>
           <a:prstGeom prst="rect">
@@ -3573,8 +3578,8 @@
         </p:nvSpPr>
         <p:spPr>
           <a:xfrm>
-            <a:off x="2096201" y="727841"/>
-            <a:ext cx="304892" cy="307777"/>
+            <a:off x="1999951" y="546441"/>
+            <a:ext cx="338554" cy="369332"/>
           </a:xfrm>
           <a:prstGeom prst="rect">
             <a:avLst/>
@@ -3588,13 +3593,13 @@
           <a:lstStyle/>
           <a:p>
             <a:r>
-              <a:rPr lang="en-US" altLang="zh-TW" sz="1400" dirty="0">
+              <a:rPr lang="en-US" altLang="zh-TW" dirty="0">
                 <a:latin typeface="Arial" panose="020B0604020202020204" pitchFamily="34" charset="0"/>
                 <a:cs typeface="Arial" panose="020B0604020202020204" pitchFamily="34" charset="0"/>
               </a:rPr>
               <a:t>A</a:t>
             </a:r>
-            <a:endParaRPr lang="zh-TW" altLang="en-US" sz="1400" dirty="0">
+            <a:endParaRPr lang="zh-TW" altLang="en-US" dirty="0">
               <a:latin typeface="Arial" panose="020B0604020202020204" pitchFamily="34" charset="0"/>
               <a:cs typeface="Arial" panose="020B0604020202020204" pitchFamily="34" charset="0"/>
             </a:endParaRPr>
@@ -3615,8 +3620,8 @@
         </p:nvSpPr>
         <p:spPr>
           <a:xfrm>
-            <a:off x="5749807" y="729316"/>
-            <a:ext cx="304892" cy="307777"/>
+            <a:off x="5711307" y="546441"/>
+            <a:ext cx="338554" cy="369332"/>
           </a:xfrm>
           <a:prstGeom prst="rect">
             <a:avLst/>
@@ -3630,13 +3635,13 @@
           <a:lstStyle/>
           <a:p>
             <a:r>
-              <a:rPr lang="en-US" altLang="zh-TW" sz="1400" dirty="0">
+              <a:rPr lang="en-US" altLang="zh-TW" dirty="0">
                 <a:latin typeface="Arial" panose="020B0604020202020204" pitchFamily="34" charset="0"/>
                 <a:cs typeface="Arial" panose="020B0604020202020204" pitchFamily="34" charset="0"/>
               </a:rPr>
               <a:t>B</a:t>
             </a:r>
-            <a:endParaRPr lang="zh-TW" altLang="en-US" sz="1400" dirty="0">
+            <a:endParaRPr lang="zh-TW" altLang="en-US" dirty="0">
               <a:latin typeface="Arial" panose="020B0604020202020204" pitchFamily="34" charset="0"/>
               <a:cs typeface="Arial" panose="020B0604020202020204" pitchFamily="34" charset="0"/>
             </a:endParaRPr>
@@ -3657,8 +3662,8 @@
         </p:nvSpPr>
         <p:spPr>
           <a:xfrm>
-            <a:off x="2096201" y="3461657"/>
-            <a:ext cx="304892" cy="307777"/>
+            <a:off x="1999951" y="3289882"/>
+            <a:ext cx="304892" cy="369332"/>
           </a:xfrm>
           <a:prstGeom prst="rect">
             <a:avLst/>
@@ -3672,13 +3677,13 @@
           <a:lstStyle/>
           <a:p>
             <a:r>
-              <a:rPr lang="en-US" altLang="zh-TW" sz="1400" dirty="0">
+              <a:rPr lang="en-US" altLang="zh-TW" dirty="0">
                 <a:latin typeface="Arial" panose="020B0604020202020204" pitchFamily="34" charset="0"/>
                 <a:cs typeface="Arial" panose="020B0604020202020204" pitchFamily="34" charset="0"/>
               </a:rPr>
               <a:t>C</a:t>
             </a:r>
-            <a:endParaRPr lang="zh-TW" altLang="en-US" sz="1400" dirty="0">
+            <a:endParaRPr lang="zh-TW" altLang="en-US" dirty="0">
               <a:latin typeface="Arial" panose="020B0604020202020204" pitchFamily="34" charset="0"/>
               <a:cs typeface="Arial" panose="020B0604020202020204" pitchFamily="34" charset="0"/>
             </a:endParaRPr>
@@ -3699,8 +3704,8 @@
         </p:nvSpPr>
         <p:spPr>
           <a:xfrm>
-            <a:off x="5749807" y="3463132"/>
-            <a:ext cx="304892" cy="307777"/>
+            <a:off x="5711307" y="3289882"/>
+            <a:ext cx="304892" cy="369332"/>
           </a:xfrm>
           <a:prstGeom prst="rect">
             <a:avLst/>
@@ -3714,13 +3719,13 @@
           <a:lstStyle/>
           <a:p>
             <a:r>
-              <a:rPr lang="en-US" altLang="zh-TW" sz="1400" dirty="0">
+              <a:rPr lang="en-US" altLang="zh-TW" dirty="0">
                 <a:latin typeface="Arial" panose="020B0604020202020204" pitchFamily="34" charset="0"/>
                 <a:cs typeface="Arial" panose="020B0604020202020204" pitchFamily="34" charset="0"/>
               </a:rPr>
               <a:t>D</a:t>
             </a:r>
-            <a:endParaRPr lang="zh-TW" altLang="en-US" sz="1400" dirty="0">
+            <a:endParaRPr lang="zh-TW" altLang="en-US" dirty="0">
               <a:latin typeface="Arial" panose="020B0604020202020204" pitchFamily="34" charset="0"/>
               <a:cs typeface="Arial" panose="020B0604020202020204" pitchFamily="34" charset="0"/>
             </a:endParaRPr>
@@ -3815,6 +3820,90 @@
               <a:t>C. gestroi</a:t>
             </a:r>
             <a:endParaRPr lang="zh-TW" altLang="en-US" sz="1400" i="1" dirty="0">
+              <a:latin typeface="Arial" panose="020B0604020202020204" pitchFamily="34" charset="0"/>
+              <a:cs typeface="Arial" panose="020B0604020202020204" pitchFamily="34" charset="0"/>
+            </a:endParaRPr>
+          </a:p>
+        </p:txBody>
+      </p:sp>
+      <p:sp>
+        <p:nvSpPr>
+          <p:cNvPr id="22" name="文字方塊 21">
+            <a:extLst>
+              <a:ext uri="{FF2B5EF4-FFF2-40B4-BE49-F238E27FC236}">
+                <a16:creationId xmlns:a16="http://schemas.microsoft.com/office/drawing/2014/main" id="{F0BF60A1-EA97-4722-9B2C-7C467A25CD02}"/>
+              </a:ext>
+            </a:extLst>
+          </p:cNvPr>
+          <p:cNvSpPr txBox="1"/>
+          <p:nvPr/>
+        </p:nvSpPr>
+        <p:spPr>
+          <a:xfrm rot="16200000">
+            <a:off x="1682881" y="1825825"/>
+            <a:ext cx="782587" cy="307777"/>
+          </a:xfrm>
+          <a:prstGeom prst="rect">
+            <a:avLst/>
+          </a:prstGeom>
+          <a:noFill/>
+        </p:spPr>
+        <p:txBody>
+          <a:bodyPr wrap="none" rtlCol="0">
+            <a:spAutoFit/>
+          </a:bodyPr>
+          <a:lstStyle/>
+          <a:p>
+            <a:r>
+              <a:rPr lang="en-US" altLang="zh-TW" sz="1400" dirty="0">
+                <a:latin typeface="Arial" panose="020B0604020202020204" pitchFamily="34" charset="0"/>
+                <a:cs typeface="Arial" panose="020B0604020202020204" pitchFamily="34" charset="0"/>
+              </a:rPr>
+              <a:t>Density</a:t>
+            </a:r>
+            <a:endParaRPr lang="zh-TW" altLang="en-US" sz="1400" dirty="0">
+              <a:latin typeface="Arial" panose="020B0604020202020204" pitchFamily="34" charset="0"/>
+              <a:cs typeface="Arial" panose="020B0604020202020204" pitchFamily="34" charset="0"/>
+            </a:endParaRPr>
+          </a:p>
+        </p:txBody>
+      </p:sp>
+      <p:sp>
+        <p:nvSpPr>
+          <p:cNvPr id="23" name="文字方塊 22">
+            <a:extLst>
+              <a:ext uri="{FF2B5EF4-FFF2-40B4-BE49-F238E27FC236}">
+                <a16:creationId xmlns:a16="http://schemas.microsoft.com/office/drawing/2014/main" id="{8046282E-5B14-435C-AF53-3209F98F4955}"/>
+              </a:ext>
+            </a:extLst>
+          </p:cNvPr>
+          <p:cNvSpPr txBox="1"/>
+          <p:nvPr/>
+        </p:nvSpPr>
+        <p:spPr>
+          <a:xfrm rot="16200000">
+            <a:off x="1682880" y="4559642"/>
+            <a:ext cx="782587" cy="307777"/>
+          </a:xfrm>
+          <a:prstGeom prst="rect">
+            <a:avLst/>
+          </a:prstGeom>
+          <a:noFill/>
+        </p:spPr>
+        <p:txBody>
+          <a:bodyPr wrap="none" rtlCol="0">
+            <a:spAutoFit/>
+          </a:bodyPr>
+          <a:lstStyle/>
+          <a:p>
+            <a:r>
+              <a:rPr lang="en-US" altLang="zh-TW" sz="1400" dirty="0">
+                <a:latin typeface="Arial" panose="020B0604020202020204" pitchFamily="34" charset="0"/>
+                <a:cs typeface="Arial" panose="020B0604020202020204" pitchFamily="34" charset="0"/>
+              </a:rPr>
+              <a:t>Density</a:t>
+            </a:r>
+            <a:endParaRPr lang="zh-TW" altLang="en-US" sz="1400" dirty="0">
               <a:latin typeface="Arial" panose="020B0604020202020204" pitchFamily="34" charset="0"/>
               <a:cs typeface="Arial" panose="020B0604020202020204" pitchFamily="34" charset="0"/>
             </a:endParaRPr>

--- a/output/Fig. 1 Monthly flight prediction.pptx
+++ b/output/Fig. 1 Monthly flight prediction.pptx
@@ -259,7 +259,7 @@
           <a:p>
             <a:fld id="{99DF012F-FD48-4AE9-AAED-22F4459CB98A}" type="datetimeFigureOut">
               <a:rPr lang="zh-TW" altLang="en-US" smtClean="0"/>
-              <a:t>2025/1/17</a:t>
+              <a:t>2025/1/28</a:t>
             </a:fld>
             <a:endParaRPr lang="zh-TW" altLang="en-US"/>
           </a:p>
@@ -457,7 +457,7 @@
           <a:p>
             <a:fld id="{99DF012F-FD48-4AE9-AAED-22F4459CB98A}" type="datetimeFigureOut">
               <a:rPr lang="zh-TW" altLang="en-US" smtClean="0"/>
-              <a:t>2025/1/17</a:t>
+              <a:t>2025/1/28</a:t>
             </a:fld>
             <a:endParaRPr lang="zh-TW" altLang="en-US"/>
           </a:p>
@@ -665,7 +665,7 @@
           <a:p>
             <a:fld id="{99DF012F-FD48-4AE9-AAED-22F4459CB98A}" type="datetimeFigureOut">
               <a:rPr lang="zh-TW" altLang="en-US" smtClean="0"/>
-              <a:t>2025/1/17</a:t>
+              <a:t>2025/1/28</a:t>
             </a:fld>
             <a:endParaRPr lang="zh-TW" altLang="en-US"/>
           </a:p>
@@ -863,7 +863,7 @@
           <a:p>
             <a:fld id="{99DF012F-FD48-4AE9-AAED-22F4459CB98A}" type="datetimeFigureOut">
               <a:rPr lang="zh-TW" altLang="en-US" smtClean="0"/>
-              <a:t>2025/1/17</a:t>
+              <a:t>2025/1/28</a:t>
             </a:fld>
             <a:endParaRPr lang="zh-TW" altLang="en-US"/>
           </a:p>
@@ -1138,7 +1138,7 @@
           <a:p>
             <a:fld id="{99DF012F-FD48-4AE9-AAED-22F4459CB98A}" type="datetimeFigureOut">
               <a:rPr lang="zh-TW" altLang="en-US" smtClean="0"/>
-              <a:t>2025/1/17</a:t>
+              <a:t>2025/1/28</a:t>
             </a:fld>
             <a:endParaRPr lang="zh-TW" altLang="en-US"/>
           </a:p>
@@ -1403,7 +1403,7 @@
           <a:p>
             <a:fld id="{99DF012F-FD48-4AE9-AAED-22F4459CB98A}" type="datetimeFigureOut">
               <a:rPr lang="zh-TW" altLang="en-US" smtClean="0"/>
-              <a:t>2025/1/17</a:t>
+              <a:t>2025/1/28</a:t>
             </a:fld>
             <a:endParaRPr lang="zh-TW" altLang="en-US"/>
           </a:p>
@@ -1815,7 +1815,7 @@
           <a:p>
             <a:fld id="{99DF012F-FD48-4AE9-AAED-22F4459CB98A}" type="datetimeFigureOut">
               <a:rPr lang="zh-TW" altLang="en-US" smtClean="0"/>
-              <a:t>2025/1/17</a:t>
+              <a:t>2025/1/28</a:t>
             </a:fld>
             <a:endParaRPr lang="zh-TW" altLang="en-US"/>
           </a:p>
@@ -1956,7 +1956,7 @@
           <a:p>
             <a:fld id="{99DF012F-FD48-4AE9-AAED-22F4459CB98A}" type="datetimeFigureOut">
               <a:rPr lang="zh-TW" altLang="en-US" smtClean="0"/>
-              <a:t>2025/1/17</a:t>
+              <a:t>2025/1/28</a:t>
             </a:fld>
             <a:endParaRPr lang="zh-TW" altLang="en-US"/>
           </a:p>
@@ -2069,7 +2069,7 @@
           <a:p>
             <a:fld id="{99DF012F-FD48-4AE9-AAED-22F4459CB98A}" type="datetimeFigureOut">
               <a:rPr lang="zh-TW" altLang="en-US" smtClean="0"/>
-              <a:t>2025/1/17</a:t>
+              <a:t>2025/1/28</a:t>
             </a:fld>
             <a:endParaRPr lang="zh-TW" altLang="en-US"/>
           </a:p>
@@ -2380,7 +2380,7 @@
           <a:p>
             <a:fld id="{99DF012F-FD48-4AE9-AAED-22F4459CB98A}" type="datetimeFigureOut">
               <a:rPr lang="zh-TW" altLang="en-US" smtClean="0"/>
-              <a:t>2025/1/17</a:t>
+              <a:t>2025/1/28</a:t>
             </a:fld>
             <a:endParaRPr lang="zh-TW" altLang="en-US"/>
           </a:p>
@@ -2668,7 +2668,7 @@
           <a:p>
             <a:fld id="{99DF012F-FD48-4AE9-AAED-22F4459CB98A}" type="datetimeFigureOut">
               <a:rPr lang="zh-TW" altLang="en-US" smtClean="0"/>
-              <a:t>2025/1/17</a:t>
+              <a:t>2025/1/28</a:t>
             </a:fld>
             <a:endParaRPr lang="zh-TW" altLang="en-US"/>
           </a:p>
@@ -2909,7 +2909,7 @@
           <a:p>
             <a:fld id="{99DF012F-FD48-4AE9-AAED-22F4459CB98A}" type="datetimeFigureOut">
               <a:rPr lang="zh-TW" altLang="en-US" smtClean="0"/>
-              <a:t>2025/1/17</a:t>
+              <a:t>2025/1/28</a:t>
             </a:fld>
             <a:endParaRPr lang="zh-TW" altLang="en-US"/>
           </a:p>
@@ -3331,7 +3331,7 @@
           <p:cNvPr id="3" name="圖片 2">
             <a:extLst>
               <a:ext uri="{FF2B5EF4-FFF2-40B4-BE49-F238E27FC236}">
-                <a16:creationId xmlns:a16="http://schemas.microsoft.com/office/drawing/2014/main" id="{63A537FB-8624-405A-8633-65993325132E}"/>
+                <a16:creationId xmlns:a16="http://schemas.microsoft.com/office/drawing/2014/main" id="{A596CC37-CC66-4DFE-9D32-836D508AE82F}"/>
               </a:ext>
             </a:extLst>
           </p:cNvPr>
@@ -3342,6 +3342,42 @@
         </p:nvPicPr>
         <p:blipFill>
           <a:blip r:embed="rId2">
+            <a:extLst>
+              <a:ext uri="{28A0092B-C50C-407E-A947-70E740481C1C}">
+                <a14:useLocalDpi xmlns:a14="http://schemas.microsoft.com/office/drawing/2010/main" val="0"/>
+              </a:ext>
+            </a:extLst>
+          </a:blip>
+          <a:stretch>
+            <a:fillRect/>
+          </a:stretch>
+        </p:blipFill>
+        <p:spPr>
+          <a:xfrm>
+            <a:off x="2148396" y="3428999"/>
+            <a:ext cx="3657607" cy="2743206"/>
+          </a:xfrm>
+          <a:prstGeom prst="rect">
+            <a:avLst/>
+          </a:prstGeom>
+        </p:spPr>
+      </p:pic>
+      <p:pic>
+        <p:nvPicPr>
+          <p:cNvPr id="6" name="圖片 5">
+            <a:extLst>
+              <a:ext uri="{FF2B5EF4-FFF2-40B4-BE49-F238E27FC236}">
+                <a16:creationId xmlns:a16="http://schemas.microsoft.com/office/drawing/2014/main" id="{B812EEE0-5CDE-450C-97F3-14519DB0D4A2}"/>
+              </a:ext>
+            </a:extLst>
+          </p:cNvPr>
+          <p:cNvPicPr>
+            <a:picLocks noChangeAspect="1"/>
+          </p:cNvPicPr>
+          <p:nvPr/>
+        </p:nvPicPr>
+        <p:blipFill>
+          <a:blip r:embed="rId3">
             <a:extLst>
               <a:ext uri="{28A0092B-C50C-407E-A947-70E740481C1C}">
                 <a14:useLocalDpi xmlns:a14="http://schemas.microsoft.com/office/drawing/2010/main" val="0"/>
@@ -3364,10 +3400,10 @@
       </p:pic>
       <p:pic>
         <p:nvPicPr>
-          <p:cNvPr id="6" name="圖片 5">
-            <a:extLst>
-              <a:ext uri="{FF2B5EF4-FFF2-40B4-BE49-F238E27FC236}">
-                <a16:creationId xmlns:a16="http://schemas.microsoft.com/office/drawing/2014/main" id="{803C7867-6F4C-4781-BE0C-89ACAE484505}"/>
+          <p:cNvPr id="10" name="圖片 9">
+            <a:extLst>
+              <a:ext uri="{FF2B5EF4-FFF2-40B4-BE49-F238E27FC236}">
+                <a16:creationId xmlns:a16="http://schemas.microsoft.com/office/drawing/2014/main" id="{DBFC0514-AD6E-4ADE-83A5-F928A3E33AF0}"/>
               </a:ext>
             </a:extLst>
           </p:cNvPr>
@@ -3377,7 +3413,7 @@
           <p:nvPr/>
         </p:nvPicPr>
         <p:blipFill>
-          <a:blip r:embed="rId3">
+          <a:blip r:embed="rId4">
             <a:extLst>
               <a:ext uri="{28A0092B-C50C-407E-A947-70E740481C1C}">
                 <a14:useLocalDpi xmlns:a14="http://schemas.microsoft.com/office/drawing/2010/main" val="0"/>
@@ -3390,43 +3426,7 @@
         </p:blipFill>
         <p:spPr>
           <a:xfrm>
-            <a:off x="2148396" y="685794"/>
-            <a:ext cx="3657607" cy="2743206"/>
-          </a:xfrm>
-          <a:prstGeom prst="rect">
-            <a:avLst/>
-          </a:prstGeom>
-        </p:spPr>
-      </p:pic>
-      <p:pic>
-        <p:nvPicPr>
-          <p:cNvPr id="10" name="圖片 9">
-            <a:extLst>
-              <a:ext uri="{FF2B5EF4-FFF2-40B4-BE49-F238E27FC236}">
-                <a16:creationId xmlns:a16="http://schemas.microsoft.com/office/drawing/2014/main" id="{C3EA2224-2AF3-46EE-8155-16506F336C58}"/>
-              </a:ext>
-            </a:extLst>
-          </p:cNvPr>
-          <p:cNvPicPr>
-            <a:picLocks noChangeAspect="1"/>
-          </p:cNvPicPr>
-          <p:nvPr/>
-        </p:nvPicPr>
-        <p:blipFill>
-          <a:blip r:embed="rId4">
-            <a:extLst>
-              <a:ext uri="{28A0092B-C50C-407E-A947-70E740481C1C}">
-                <a14:useLocalDpi xmlns:a14="http://schemas.microsoft.com/office/drawing/2010/main" val="0"/>
-              </a:ext>
-            </a:extLst>
-          </a:blip>
-          <a:stretch>
-            <a:fillRect/>
-          </a:stretch>
-        </p:blipFill>
-        <p:spPr>
-          <a:xfrm>
-            <a:off x="5847338" y="3428998"/>
+            <a:off x="2148396" y="685792"/>
             <a:ext cx="3657607" cy="2743206"/>
           </a:xfrm>
           <a:prstGeom prst="rect">
@@ -3439,7 +3439,7 @@
           <p:cNvPr id="21" name="圖片 20">
             <a:extLst>
               <a:ext uri="{FF2B5EF4-FFF2-40B4-BE49-F238E27FC236}">
-                <a16:creationId xmlns:a16="http://schemas.microsoft.com/office/drawing/2014/main" id="{00572356-331B-4636-B4E7-C06DB8023A02}"/>
+                <a16:creationId xmlns:a16="http://schemas.microsoft.com/office/drawing/2014/main" id="{DE583194-2E9B-4A40-BC07-0DBB173C3BDF}"/>
               </a:ext>
             </a:extLst>
           </p:cNvPr>
@@ -3462,7 +3462,7 @@
         </p:blipFill>
         <p:spPr>
           <a:xfrm>
-            <a:off x="2148396" y="3428999"/>
+            <a:off x="5847339" y="3428999"/>
             <a:ext cx="3657607" cy="2743206"/>
           </a:xfrm>
           <a:prstGeom prst="rect">

--- a/output/Fig. 1 Monthly flight prediction.pptx
+++ b/output/Fig. 1 Monthly flight prediction.pptx
@@ -259,7 +259,7 @@
           <a:p>
             <a:fld id="{99DF012F-FD48-4AE9-AAED-22F4459CB98A}" type="datetimeFigureOut">
               <a:rPr lang="zh-TW" altLang="en-US" smtClean="0"/>
-              <a:t>2025/1/28</a:t>
+              <a:t>2025/2/3</a:t>
             </a:fld>
             <a:endParaRPr lang="zh-TW" altLang="en-US"/>
           </a:p>
@@ -457,7 +457,7 @@
           <a:p>
             <a:fld id="{99DF012F-FD48-4AE9-AAED-22F4459CB98A}" type="datetimeFigureOut">
               <a:rPr lang="zh-TW" altLang="en-US" smtClean="0"/>
-              <a:t>2025/1/28</a:t>
+              <a:t>2025/2/3</a:t>
             </a:fld>
             <a:endParaRPr lang="zh-TW" altLang="en-US"/>
           </a:p>
@@ -665,7 +665,7 @@
           <a:p>
             <a:fld id="{99DF012F-FD48-4AE9-AAED-22F4459CB98A}" type="datetimeFigureOut">
               <a:rPr lang="zh-TW" altLang="en-US" smtClean="0"/>
-              <a:t>2025/1/28</a:t>
+              <a:t>2025/2/3</a:t>
             </a:fld>
             <a:endParaRPr lang="zh-TW" altLang="en-US"/>
           </a:p>
@@ -863,7 +863,7 @@
           <a:p>
             <a:fld id="{99DF012F-FD48-4AE9-AAED-22F4459CB98A}" type="datetimeFigureOut">
               <a:rPr lang="zh-TW" altLang="en-US" smtClean="0"/>
-              <a:t>2025/1/28</a:t>
+              <a:t>2025/2/3</a:t>
             </a:fld>
             <a:endParaRPr lang="zh-TW" altLang="en-US"/>
           </a:p>
@@ -1138,7 +1138,7 @@
           <a:p>
             <a:fld id="{99DF012F-FD48-4AE9-AAED-22F4459CB98A}" type="datetimeFigureOut">
               <a:rPr lang="zh-TW" altLang="en-US" smtClean="0"/>
-              <a:t>2025/1/28</a:t>
+              <a:t>2025/2/3</a:t>
             </a:fld>
             <a:endParaRPr lang="zh-TW" altLang="en-US"/>
           </a:p>
@@ -1403,7 +1403,7 @@
           <a:p>
             <a:fld id="{99DF012F-FD48-4AE9-AAED-22F4459CB98A}" type="datetimeFigureOut">
               <a:rPr lang="zh-TW" altLang="en-US" smtClean="0"/>
-              <a:t>2025/1/28</a:t>
+              <a:t>2025/2/3</a:t>
             </a:fld>
             <a:endParaRPr lang="zh-TW" altLang="en-US"/>
           </a:p>
@@ -1815,7 +1815,7 @@
           <a:p>
             <a:fld id="{99DF012F-FD48-4AE9-AAED-22F4459CB98A}" type="datetimeFigureOut">
               <a:rPr lang="zh-TW" altLang="en-US" smtClean="0"/>
-              <a:t>2025/1/28</a:t>
+              <a:t>2025/2/3</a:t>
             </a:fld>
             <a:endParaRPr lang="zh-TW" altLang="en-US"/>
           </a:p>
@@ -1956,7 +1956,7 @@
           <a:p>
             <a:fld id="{99DF012F-FD48-4AE9-AAED-22F4459CB98A}" type="datetimeFigureOut">
               <a:rPr lang="zh-TW" altLang="en-US" smtClean="0"/>
-              <a:t>2025/1/28</a:t>
+              <a:t>2025/2/3</a:t>
             </a:fld>
             <a:endParaRPr lang="zh-TW" altLang="en-US"/>
           </a:p>
@@ -2069,7 +2069,7 @@
           <a:p>
             <a:fld id="{99DF012F-FD48-4AE9-AAED-22F4459CB98A}" type="datetimeFigureOut">
               <a:rPr lang="zh-TW" altLang="en-US" smtClean="0"/>
-              <a:t>2025/1/28</a:t>
+              <a:t>2025/2/3</a:t>
             </a:fld>
             <a:endParaRPr lang="zh-TW" altLang="en-US"/>
           </a:p>
@@ -2380,7 +2380,7 @@
           <a:p>
             <a:fld id="{99DF012F-FD48-4AE9-AAED-22F4459CB98A}" type="datetimeFigureOut">
               <a:rPr lang="zh-TW" altLang="en-US" smtClean="0"/>
-              <a:t>2025/1/28</a:t>
+              <a:t>2025/2/3</a:t>
             </a:fld>
             <a:endParaRPr lang="zh-TW" altLang="en-US"/>
           </a:p>
@@ -2668,7 +2668,7 @@
           <a:p>
             <a:fld id="{99DF012F-FD48-4AE9-AAED-22F4459CB98A}" type="datetimeFigureOut">
               <a:rPr lang="zh-TW" altLang="en-US" smtClean="0"/>
-              <a:t>2025/1/28</a:t>
+              <a:t>2025/2/3</a:t>
             </a:fld>
             <a:endParaRPr lang="zh-TW" altLang="en-US"/>
           </a:p>
@@ -2909,7 +2909,7 @@
           <a:p>
             <a:fld id="{99DF012F-FD48-4AE9-AAED-22F4459CB98A}" type="datetimeFigureOut">
               <a:rPr lang="zh-TW" altLang="en-US" smtClean="0"/>
-              <a:t>2025/1/28</a:t>
+              <a:t>2025/2/3</a:t>
             </a:fld>
             <a:endParaRPr lang="zh-TW" altLang="en-US"/>
           </a:p>
@@ -3328,10 +3328,10 @@
       </p:grpSpPr>
       <p:pic>
         <p:nvPicPr>
-          <p:cNvPr id="3" name="圖片 2">
-            <a:extLst>
-              <a:ext uri="{FF2B5EF4-FFF2-40B4-BE49-F238E27FC236}">
-                <a16:creationId xmlns:a16="http://schemas.microsoft.com/office/drawing/2014/main" id="{A596CC37-CC66-4DFE-9D32-836D508AE82F}"/>
+          <p:cNvPr id="9" name="圖片 8">
+            <a:extLst>
+              <a:ext uri="{FF2B5EF4-FFF2-40B4-BE49-F238E27FC236}">
+                <a16:creationId xmlns:a16="http://schemas.microsoft.com/office/drawing/2014/main" id="{7859C8A9-AC76-43F7-A038-5B04BD123649}"/>
               </a:ext>
             </a:extLst>
           </p:cNvPr>
@@ -3342,6 +3342,78 @@
         </p:nvPicPr>
         <p:blipFill>
           <a:blip r:embed="rId2">
+            <a:extLst>
+              <a:ext uri="{28A0092B-C50C-407E-A947-70E740481C1C}">
+                <a14:useLocalDpi xmlns:a14="http://schemas.microsoft.com/office/drawing/2010/main" val="0"/>
+              </a:ext>
+            </a:extLst>
+          </a:blip>
+          <a:stretch>
+            <a:fillRect/>
+          </a:stretch>
+        </p:blipFill>
+        <p:spPr>
+          <a:xfrm>
+            <a:off x="5847339" y="3428999"/>
+            <a:ext cx="3657607" cy="2743206"/>
+          </a:xfrm>
+          <a:prstGeom prst="rect">
+            <a:avLst/>
+          </a:prstGeom>
+        </p:spPr>
+      </p:pic>
+      <p:pic>
+        <p:nvPicPr>
+          <p:cNvPr id="4" name="圖片 3">
+            <a:extLst>
+              <a:ext uri="{FF2B5EF4-FFF2-40B4-BE49-F238E27FC236}">
+                <a16:creationId xmlns:a16="http://schemas.microsoft.com/office/drawing/2014/main" id="{C21E498D-91E1-438A-94D7-B3F13D616966}"/>
+              </a:ext>
+            </a:extLst>
+          </p:cNvPr>
+          <p:cNvPicPr>
+            <a:picLocks noChangeAspect="1"/>
+          </p:cNvPicPr>
+          <p:nvPr/>
+        </p:nvPicPr>
+        <p:blipFill>
+          <a:blip r:embed="rId3">
+            <a:extLst>
+              <a:ext uri="{28A0092B-C50C-407E-A947-70E740481C1C}">
+                <a14:useLocalDpi xmlns:a14="http://schemas.microsoft.com/office/drawing/2010/main" val="0"/>
+              </a:ext>
+            </a:extLst>
+          </a:blip>
+          <a:stretch>
+            <a:fillRect/>
+          </a:stretch>
+        </p:blipFill>
+        <p:spPr>
+          <a:xfrm>
+            <a:off x="5847339" y="685792"/>
+            <a:ext cx="3657607" cy="2743206"/>
+          </a:xfrm>
+          <a:prstGeom prst="rect">
+            <a:avLst/>
+          </a:prstGeom>
+        </p:spPr>
+      </p:pic>
+      <p:pic>
+        <p:nvPicPr>
+          <p:cNvPr id="3" name="圖片 2">
+            <a:extLst>
+              <a:ext uri="{FF2B5EF4-FFF2-40B4-BE49-F238E27FC236}">
+                <a16:creationId xmlns:a16="http://schemas.microsoft.com/office/drawing/2014/main" id="{A596CC37-CC66-4DFE-9D32-836D508AE82F}"/>
+              </a:ext>
+            </a:extLst>
+          </p:cNvPr>
+          <p:cNvPicPr>
+            <a:picLocks noChangeAspect="1"/>
+          </p:cNvPicPr>
+          <p:nvPr/>
+        </p:nvPicPr>
+        <p:blipFill>
+          <a:blip r:embed="rId4">
             <a:extLst>
               <a:ext uri="{28A0092B-C50C-407E-A947-70E740481C1C}">
                 <a14:useLocalDpi xmlns:a14="http://schemas.microsoft.com/office/drawing/2010/main" val="0"/>
@@ -3364,10 +3436,10 @@
       </p:pic>
       <p:pic>
         <p:nvPicPr>
-          <p:cNvPr id="6" name="圖片 5">
-            <a:extLst>
-              <a:ext uri="{FF2B5EF4-FFF2-40B4-BE49-F238E27FC236}">
-                <a16:creationId xmlns:a16="http://schemas.microsoft.com/office/drawing/2014/main" id="{B812EEE0-5CDE-450C-97F3-14519DB0D4A2}"/>
+          <p:cNvPr id="10" name="圖片 9">
+            <a:extLst>
+              <a:ext uri="{FF2B5EF4-FFF2-40B4-BE49-F238E27FC236}">
+                <a16:creationId xmlns:a16="http://schemas.microsoft.com/office/drawing/2014/main" id="{DBFC0514-AD6E-4ADE-83A5-F928A3E33AF0}"/>
               </a:ext>
             </a:extLst>
           </p:cNvPr>
@@ -3377,43 +3449,7 @@
           <p:nvPr/>
         </p:nvPicPr>
         <p:blipFill>
-          <a:blip r:embed="rId3">
-            <a:extLst>
-              <a:ext uri="{28A0092B-C50C-407E-A947-70E740481C1C}">
-                <a14:useLocalDpi xmlns:a14="http://schemas.microsoft.com/office/drawing/2010/main" val="0"/>
-              </a:ext>
-            </a:extLst>
-          </a:blip>
-          <a:stretch>
-            <a:fillRect/>
-          </a:stretch>
-        </p:blipFill>
-        <p:spPr>
-          <a:xfrm>
-            <a:off x="5847339" y="685792"/>
-            <a:ext cx="3657607" cy="2743206"/>
-          </a:xfrm>
-          <a:prstGeom prst="rect">
-            <a:avLst/>
-          </a:prstGeom>
-        </p:spPr>
-      </p:pic>
-      <p:pic>
-        <p:nvPicPr>
-          <p:cNvPr id="10" name="圖片 9">
-            <a:extLst>
-              <a:ext uri="{FF2B5EF4-FFF2-40B4-BE49-F238E27FC236}">
-                <a16:creationId xmlns:a16="http://schemas.microsoft.com/office/drawing/2014/main" id="{DBFC0514-AD6E-4ADE-83A5-F928A3E33AF0}"/>
-              </a:ext>
-            </a:extLst>
-          </p:cNvPr>
-          <p:cNvPicPr>
-            <a:picLocks noChangeAspect="1"/>
-          </p:cNvPicPr>
-          <p:nvPr/>
-        </p:nvPicPr>
-        <p:blipFill>
-          <a:blip r:embed="rId4">
+          <a:blip r:embed="rId5">
             <a:extLst>
               <a:ext uri="{28A0092B-C50C-407E-A947-70E740481C1C}">
                 <a14:useLocalDpi xmlns:a14="http://schemas.microsoft.com/office/drawing/2010/main" val="0"/>
@@ -3427,42 +3463,6 @@
         <p:spPr>
           <a:xfrm>
             <a:off x="2148396" y="685792"/>
-            <a:ext cx="3657607" cy="2743206"/>
-          </a:xfrm>
-          <a:prstGeom prst="rect">
-            <a:avLst/>
-          </a:prstGeom>
-        </p:spPr>
-      </p:pic>
-      <p:pic>
-        <p:nvPicPr>
-          <p:cNvPr id="21" name="圖片 20">
-            <a:extLst>
-              <a:ext uri="{FF2B5EF4-FFF2-40B4-BE49-F238E27FC236}">
-                <a16:creationId xmlns:a16="http://schemas.microsoft.com/office/drawing/2014/main" id="{DE583194-2E9B-4A40-BC07-0DBB173C3BDF}"/>
-              </a:ext>
-            </a:extLst>
-          </p:cNvPr>
-          <p:cNvPicPr>
-            <a:picLocks noChangeAspect="1"/>
-          </p:cNvPicPr>
-          <p:nvPr/>
-        </p:nvPicPr>
-        <p:blipFill>
-          <a:blip r:embed="rId5">
-            <a:extLst>
-              <a:ext uri="{28A0092B-C50C-407E-A947-70E740481C1C}">
-                <a14:useLocalDpi xmlns:a14="http://schemas.microsoft.com/office/drawing/2010/main" val="0"/>
-              </a:ext>
-            </a:extLst>
-          </a:blip>
-          <a:stretch>
-            <a:fillRect/>
-          </a:stretch>
-        </p:blipFill>
-        <p:spPr>
-          <a:xfrm>
-            <a:off x="5847339" y="3428999"/>
             <a:ext cx="3657607" cy="2743206"/>
           </a:xfrm>
           <a:prstGeom prst="rect">

--- a/output/Fig. 1 Monthly flight prediction.pptx
+++ b/output/Fig. 1 Monthly flight prediction.pptx
@@ -259,7 +259,7 @@
           <a:p>
             <a:fld id="{99DF012F-FD48-4AE9-AAED-22F4459CB98A}" type="datetimeFigureOut">
               <a:rPr lang="zh-TW" altLang="en-US" smtClean="0"/>
-              <a:t>2025/2/3</a:t>
+              <a:t>2025/2/5</a:t>
             </a:fld>
             <a:endParaRPr lang="zh-TW" altLang="en-US"/>
           </a:p>
@@ -457,7 +457,7 @@
           <a:p>
             <a:fld id="{99DF012F-FD48-4AE9-AAED-22F4459CB98A}" type="datetimeFigureOut">
               <a:rPr lang="zh-TW" altLang="en-US" smtClean="0"/>
-              <a:t>2025/2/3</a:t>
+              <a:t>2025/2/5</a:t>
             </a:fld>
             <a:endParaRPr lang="zh-TW" altLang="en-US"/>
           </a:p>
@@ -665,7 +665,7 @@
           <a:p>
             <a:fld id="{99DF012F-FD48-4AE9-AAED-22F4459CB98A}" type="datetimeFigureOut">
               <a:rPr lang="zh-TW" altLang="en-US" smtClean="0"/>
-              <a:t>2025/2/3</a:t>
+              <a:t>2025/2/5</a:t>
             </a:fld>
             <a:endParaRPr lang="zh-TW" altLang="en-US"/>
           </a:p>
@@ -863,7 +863,7 @@
           <a:p>
             <a:fld id="{99DF012F-FD48-4AE9-AAED-22F4459CB98A}" type="datetimeFigureOut">
               <a:rPr lang="zh-TW" altLang="en-US" smtClean="0"/>
-              <a:t>2025/2/3</a:t>
+              <a:t>2025/2/5</a:t>
             </a:fld>
             <a:endParaRPr lang="zh-TW" altLang="en-US"/>
           </a:p>
@@ -1138,7 +1138,7 @@
           <a:p>
             <a:fld id="{99DF012F-FD48-4AE9-AAED-22F4459CB98A}" type="datetimeFigureOut">
               <a:rPr lang="zh-TW" altLang="en-US" smtClean="0"/>
-              <a:t>2025/2/3</a:t>
+              <a:t>2025/2/5</a:t>
             </a:fld>
             <a:endParaRPr lang="zh-TW" altLang="en-US"/>
           </a:p>
@@ -1403,7 +1403,7 @@
           <a:p>
             <a:fld id="{99DF012F-FD48-4AE9-AAED-22F4459CB98A}" type="datetimeFigureOut">
               <a:rPr lang="zh-TW" altLang="en-US" smtClean="0"/>
-              <a:t>2025/2/3</a:t>
+              <a:t>2025/2/5</a:t>
             </a:fld>
             <a:endParaRPr lang="zh-TW" altLang="en-US"/>
           </a:p>
@@ -1815,7 +1815,7 @@
           <a:p>
             <a:fld id="{99DF012F-FD48-4AE9-AAED-22F4459CB98A}" type="datetimeFigureOut">
               <a:rPr lang="zh-TW" altLang="en-US" smtClean="0"/>
-              <a:t>2025/2/3</a:t>
+              <a:t>2025/2/5</a:t>
             </a:fld>
             <a:endParaRPr lang="zh-TW" altLang="en-US"/>
           </a:p>
@@ -1956,7 +1956,7 @@
           <a:p>
             <a:fld id="{99DF012F-FD48-4AE9-AAED-22F4459CB98A}" type="datetimeFigureOut">
               <a:rPr lang="zh-TW" altLang="en-US" smtClean="0"/>
-              <a:t>2025/2/3</a:t>
+              <a:t>2025/2/5</a:t>
             </a:fld>
             <a:endParaRPr lang="zh-TW" altLang="en-US"/>
           </a:p>
@@ -2069,7 +2069,7 @@
           <a:p>
             <a:fld id="{99DF012F-FD48-4AE9-AAED-22F4459CB98A}" type="datetimeFigureOut">
               <a:rPr lang="zh-TW" altLang="en-US" smtClean="0"/>
-              <a:t>2025/2/3</a:t>
+              <a:t>2025/2/5</a:t>
             </a:fld>
             <a:endParaRPr lang="zh-TW" altLang="en-US"/>
           </a:p>
@@ -2380,7 +2380,7 @@
           <a:p>
             <a:fld id="{99DF012F-FD48-4AE9-AAED-22F4459CB98A}" type="datetimeFigureOut">
               <a:rPr lang="zh-TW" altLang="en-US" smtClean="0"/>
-              <a:t>2025/2/3</a:t>
+              <a:t>2025/2/5</a:t>
             </a:fld>
             <a:endParaRPr lang="zh-TW" altLang="en-US"/>
           </a:p>
@@ -2668,7 +2668,7 @@
           <a:p>
             <a:fld id="{99DF012F-FD48-4AE9-AAED-22F4459CB98A}" type="datetimeFigureOut">
               <a:rPr lang="zh-TW" altLang="en-US" smtClean="0"/>
-              <a:t>2025/2/3</a:t>
+              <a:t>2025/2/5</a:t>
             </a:fld>
             <a:endParaRPr lang="zh-TW" altLang="en-US"/>
           </a:p>
@@ -2909,7 +2909,7 @@
           <a:p>
             <a:fld id="{99DF012F-FD48-4AE9-AAED-22F4459CB98A}" type="datetimeFigureOut">
               <a:rPr lang="zh-TW" altLang="en-US" smtClean="0"/>
-              <a:t>2025/2/3</a:t>
+              <a:t>2025/2/5</a:t>
             </a:fld>
             <a:endParaRPr lang="zh-TW" altLang="en-US"/>
           </a:p>
@@ -3328,10 +3328,10 @@
       </p:grpSpPr>
       <p:pic>
         <p:nvPicPr>
-          <p:cNvPr id="9" name="圖片 8">
-            <a:extLst>
-              <a:ext uri="{FF2B5EF4-FFF2-40B4-BE49-F238E27FC236}">
-                <a16:creationId xmlns:a16="http://schemas.microsoft.com/office/drawing/2014/main" id="{7859C8A9-AC76-43F7-A038-5B04BD123649}"/>
+          <p:cNvPr id="6" name="圖片 5">
+            <a:extLst>
+              <a:ext uri="{FF2B5EF4-FFF2-40B4-BE49-F238E27FC236}">
+                <a16:creationId xmlns:a16="http://schemas.microsoft.com/office/drawing/2014/main" id="{FD7F45E9-3944-4F41-8ACF-456423356C45}"/>
               </a:ext>
             </a:extLst>
           </p:cNvPr>
@@ -3364,10 +3364,10 @@
       </p:pic>
       <p:pic>
         <p:nvPicPr>
-          <p:cNvPr id="4" name="圖片 3">
-            <a:extLst>
-              <a:ext uri="{FF2B5EF4-FFF2-40B4-BE49-F238E27FC236}">
-                <a16:creationId xmlns:a16="http://schemas.microsoft.com/office/drawing/2014/main" id="{C21E498D-91E1-438A-94D7-B3F13D616966}"/>
+          <p:cNvPr id="21" name="圖片 20">
+            <a:extLst>
+              <a:ext uri="{FF2B5EF4-FFF2-40B4-BE49-F238E27FC236}">
+                <a16:creationId xmlns:a16="http://schemas.microsoft.com/office/drawing/2014/main" id="{A3521643-4247-48DC-A8A6-55795AB40780}"/>
               </a:ext>
             </a:extLst>
           </p:cNvPr>
@@ -3400,10 +3400,10 @@
       </p:pic>
       <p:pic>
         <p:nvPicPr>
-          <p:cNvPr id="3" name="圖片 2">
-            <a:extLst>
-              <a:ext uri="{FF2B5EF4-FFF2-40B4-BE49-F238E27FC236}">
-                <a16:creationId xmlns:a16="http://schemas.microsoft.com/office/drawing/2014/main" id="{A596CC37-CC66-4DFE-9D32-836D508AE82F}"/>
+          <p:cNvPr id="4" name="圖片 3">
+            <a:extLst>
+              <a:ext uri="{FF2B5EF4-FFF2-40B4-BE49-F238E27FC236}">
+                <a16:creationId xmlns:a16="http://schemas.microsoft.com/office/drawing/2014/main" id="{BB5B1215-D6C3-40AD-B406-DD0191257C51}"/>
               </a:ext>
             </a:extLst>
           </p:cNvPr>
@@ -3436,10 +3436,10 @@
       </p:pic>
       <p:pic>
         <p:nvPicPr>
-          <p:cNvPr id="10" name="圖片 9">
-            <a:extLst>
-              <a:ext uri="{FF2B5EF4-FFF2-40B4-BE49-F238E27FC236}">
-                <a16:creationId xmlns:a16="http://schemas.microsoft.com/office/drawing/2014/main" id="{DBFC0514-AD6E-4ADE-83A5-F928A3E33AF0}"/>
+          <p:cNvPr id="9" name="圖片 8">
+            <a:extLst>
+              <a:ext uri="{FF2B5EF4-FFF2-40B4-BE49-F238E27FC236}">
+                <a16:creationId xmlns:a16="http://schemas.microsoft.com/office/drawing/2014/main" id="{2C97F11F-8E5E-4D1D-BD05-41946888A0E0}"/>
               </a:ext>
             </a:extLst>
           </p:cNvPr>
